--- a/FtcLessons/4-RobotSubsystems.pptx
+++ b/FtcLessons/4-RobotSubsystems.pptx
@@ -209,7 +209,7 @@
           <a:p>
             <a:fld id="{88DFE0DC-517A-40C1-B3B1-8C641051689B}" type="datetimeFigureOut">
               <a:rPr lang="en-US" smtClean="0"/>
-              <a:t>8/7/2023</a:t>
+              <a:t>9/19/2023</a:t>
             </a:fld>
             <a:endParaRPr lang="en-US"/>
           </a:p>
@@ -896,7 +896,7 @@
             <a:fld id="{5923F103-BC34-4FE4-A40E-EDDEECFDA5D0}" type="datetimeFigureOut">
               <a:rPr lang="en-US" dirty="0"/>
               <a:pPr/>
-              <a:t>8/7/2023</a:t>
+              <a:t>9/19/2023</a:t>
             </a:fld>
             <a:endParaRPr lang="en-US" dirty="0"/>
           </a:p>
@@ -1980,7 +1980,7 @@
           <a:p>
             <a:fld id="{923A1CC3-2375-41D4-9E03-427CAF2A4C1A}" type="datetimeFigureOut">
               <a:rPr lang="en-US" dirty="0"/>
-              <a:t>8/7/2023</a:t>
+              <a:t>9/19/2023</a:t>
             </a:fld>
             <a:endParaRPr lang="en-US" dirty="0"/>
           </a:p>
@@ -2956,7 +2956,7 @@
           <a:p>
             <a:fld id="{AFF16868-8199-4C2C-A5B1-63AEE139F88E}" type="datetimeFigureOut">
               <a:rPr lang="en-US" dirty="0"/>
-              <a:t>8/7/2023</a:t>
+              <a:t>9/19/2023</a:t>
             </a:fld>
             <a:endParaRPr lang="en-US" dirty="0"/>
           </a:p>
@@ -4086,7 +4086,7 @@
           <a:p>
             <a:fld id="{AAD9FF7F-6988-44CC-821B-644E70CD2F73}" type="datetimeFigureOut">
               <a:rPr lang="en-US" dirty="0"/>
-              <a:t>8/7/2023</a:t>
+              <a:t>9/19/2023</a:t>
             </a:fld>
             <a:endParaRPr lang="en-US" dirty="0"/>
           </a:p>
@@ -5115,7 +5115,7 @@
           <a:p>
             <a:fld id="{5C12C299-16B2-4475-990D-751901EACC14}" type="datetimeFigureOut">
               <a:rPr lang="en-US" dirty="0"/>
-              <a:t>8/7/2023</a:t>
+              <a:t>9/19/2023</a:t>
             </a:fld>
             <a:endParaRPr lang="en-US" dirty="0"/>
           </a:p>
@@ -5771,7 +5771,7 @@
           <a:p>
             <a:fld id="{9FE86839-B9D8-4651-8783-F325ECE74E65}" type="datetimeFigureOut">
               <a:rPr lang="en-US" dirty="0"/>
-              <a:t>8/7/2023</a:t>
+              <a:t>9/19/2023</a:t>
             </a:fld>
             <a:endParaRPr lang="en-US" dirty="0"/>
           </a:p>
@@ -6628,7 +6628,7 @@
           <a:p>
             <a:fld id="{FD484F64-32F6-45C5-931F-ADC1662401D0}" type="datetimeFigureOut">
               <a:rPr lang="en-US" dirty="0"/>
-              <a:t>8/7/2023</a:t>
+              <a:t>9/19/2023</a:t>
             </a:fld>
             <a:endParaRPr lang="en-US" dirty="0"/>
           </a:p>
@@ -6814,7 +6814,7 @@
           <a:p>
             <a:fld id="{53086D93-FCAC-47E0-A2EE-787E62CA814C}" type="datetimeFigureOut">
               <a:rPr lang="en-US" dirty="0"/>
-              <a:t>8/7/2023</a:t>
+              <a:t>9/19/2023</a:t>
             </a:fld>
             <a:endParaRPr lang="en-US" dirty="0"/>
           </a:p>
@@ -7782,7 +7782,7 @@
           <a:p>
             <a:fld id="{CDA879A6-0FD0-4734-A311-86BFCA472E6E}" type="datetimeFigureOut">
               <a:rPr lang="en-US" dirty="0"/>
-              <a:t>8/7/2023</a:t>
+              <a:t>9/19/2023</a:t>
             </a:fld>
             <a:endParaRPr lang="en-US" dirty="0"/>
           </a:p>
@@ -7989,7 +7989,7 @@
           <a:p>
             <a:fld id="{19C9CA7B-DFD4-44B5-8C60-D14B8CD1FB59}" type="datetimeFigureOut">
               <a:rPr lang="en-US" dirty="0"/>
-              <a:t>8/7/2023</a:t>
+              <a:t>9/19/2023</a:t>
             </a:fld>
             <a:endParaRPr lang="en-US" dirty="0"/>
           </a:p>
@@ -9019,7 +9019,7 @@
           <a:p>
             <a:fld id="{F34E6425-0181-43F2-84FC-787E803FD2F8}" type="datetimeFigureOut">
               <a:rPr lang="en-US" dirty="0"/>
-              <a:t>8/7/2023</a:t>
+              <a:t>9/19/2023</a:t>
             </a:fld>
             <a:endParaRPr lang="en-US" dirty="0"/>
           </a:p>
@@ -9287,7 +9287,7 @@
           <a:p>
             <a:fld id="{3BDB8791-F1B0-41E7-B7FD-A781E65C4266}" type="datetimeFigureOut">
               <a:rPr lang="en-US" dirty="0"/>
-              <a:t>8/7/2023</a:t>
+              <a:t>9/19/2023</a:t>
             </a:fld>
             <a:endParaRPr lang="en-US" dirty="0"/>
           </a:p>
@@ -9693,7 +9693,7 @@
           <a:p>
             <a:fld id="{5FDD63B2-E120-4ED8-B27B-C685F510A5FE}" type="datetimeFigureOut">
               <a:rPr lang="en-US" dirty="0"/>
-              <a:t>8/7/2023</a:t>
+              <a:t>9/19/2023</a:t>
             </a:fld>
             <a:endParaRPr lang="en-US" dirty="0"/>
           </a:p>
@@ -9816,7 +9816,7 @@
           <a:p>
             <a:fld id="{7AA18ACC-A947-437B-A130-35BD54FDF1E9}" type="datetimeFigureOut">
               <a:rPr lang="en-US" dirty="0"/>
-              <a:t>8/7/2023</a:t>
+              <a:t>9/19/2023</a:t>
             </a:fld>
             <a:endParaRPr lang="en-US" dirty="0"/>
           </a:p>
@@ -9907,7 +9907,7 @@
           <a:p>
             <a:fld id="{7C8D7E02-BCB8-4D50-A234-369438C08659}" type="datetimeFigureOut">
               <a:rPr lang="en-US" dirty="0"/>
-              <a:t>8/7/2023</a:t>
+              <a:t>9/19/2023</a:t>
             </a:fld>
             <a:endParaRPr lang="en-US" dirty="0"/>
           </a:p>
@@ -10984,7 +10984,7 @@
           <a:p>
             <a:fld id="{76E86A4C-8E40-4F87-A4F0-01A0687C5742}" type="datetimeFigureOut">
               <a:rPr lang="en-US" dirty="0"/>
-              <a:t>8/7/2023</a:t>
+              <a:t>9/19/2023</a:t>
             </a:fld>
             <a:endParaRPr lang="en-US" dirty="0"/>
           </a:p>
@@ -12088,7 +12088,7 @@
           <a:p>
             <a:fld id="{35E72C73-2D91-4E12-BA25-F0AA0C03599B}" type="datetimeFigureOut">
               <a:rPr lang="en-US" dirty="0"/>
-              <a:t>8/7/2023</a:t>
+              <a:t>9/19/2023</a:t>
             </a:fld>
             <a:endParaRPr lang="en-US" dirty="0"/>
           </a:p>
@@ -13081,7 +13081,7 @@
           <a:p>
             <a:fld id="{2BE451C3-0FF4-47C4-B829-773ADF60F88C}" type="datetimeFigureOut">
               <a:rPr lang="en-US" dirty="0"/>
-              <a:t>8/7/2023</a:t>
+              <a:t>9/19/2023</a:t>
             </a:fld>
             <a:endParaRPr lang="en-US" dirty="0"/>
           </a:p>
@@ -13705,7 +13705,7 @@
           <a:p>
             <a:r>
               <a:rPr lang="en-US" dirty="0"/>
-              <a:t>Titan Robotics Club FRC492</a:t>
+              <a:t>Titan Robotics Club FTC3543</a:t>
             </a:r>
           </a:p>
           <a:p>
@@ -16094,15 +16094,7 @@
             <a:pPr lvl="1"/>
             <a:r>
               <a:rPr lang="en-US" dirty="0"/>
-              <a:t>PID controlled position actuators: Elevator, Arm, Wrist and Turrets (</a:t>
-            </a:r>
-            <a:r>
-              <a:rPr lang="en-US" dirty="0" err="1"/>
-              <a:t>TrcPidActuator</a:t>
-            </a:r>
-            <a:r>
-              <a:rPr lang="en-US" dirty="0"/>
-              <a:t>).</a:t>
+              <a:t>PID controlled position actuators: Elevator, Arm, Wrist and Turrets.</a:t>
             </a:r>
           </a:p>
           <a:p>
@@ -16854,7 +16846,7 @@
           <a:p>
             <a:r>
               <a:rPr lang="en-US" dirty="0"/>
-              <a:t>Ha 4 motors (left front, right front, left back, right back). Each wheel has its own motor and encoder. By changing the spin direction of the diagonal wheels, it allows the robot to move sideways. Combining the four encoders and a gyro to keep track of the drive base odometry (X, Y location on the field and robot orientation).</a:t>
+              <a:t>Has 4 motors (left front, right front, left back, right back). Each wheel has its own motor and encoder. By changing the spin direction of the diagonal wheels, it allows the robot to move sideways. Combining the four encoders and a gyro to keep track of the drive base odometry (X, Y location on the field and robot orientation).</a:t>
             </a:r>
           </a:p>
           <a:p>
@@ -18353,11 +18345,19 @@
           <a:p>
             <a:r>
               <a:rPr lang="en-US" dirty="0"/>
-              <a:t>In Robot.java, create four motor controllers named </a:t>
+              <a:t>In Robot.java, create four motor controllers (</a:t>
             </a:r>
             <a:r>
               <a:rPr lang="en-US" dirty="0" err="1"/>
-              <a:t>lfWheel</a:t>
+              <a:t>FtcDcMotor</a:t>
+            </a:r>
+            <a:r>
+              <a:rPr lang="en-US" dirty="0"/>
+              <a:t>) named </a:t>
+            </a:r>
+            <a:r>
+              <a:rPr lang="en-US" dirty="0" err="1"/>
+              <a:t>lfDriveMotor</a:t>
             </a:r>
             <a:r>
               <a:rPr lang="en-US" dirty="0"/>
@@ -18365,7 +18365,7 @@
             </a:r>
             <a:r>
               <a:rPr lang="en-US" dirty="0" err="1"/>
-              <a:t>rfWheel</a:t>
+              <a:t>rfDriveMotor</a:t>
             </a:r>
             <a:r>
               <a:rPr lang="en-US" dirty="0"/>
@@ -18373,7 +18373,7 @@
             </a:r>
             <a:r>
               <a:rPr lang="en-US" dirty="0" err="1"/>
-              <a:t>lbWheel</a:t>
+              <a:t>lbDriveMotor</a:t>
             </a:r>
             <a:r>
               <a:rPr lang="en-US" dirty="0"/>
@@ -18381,19 +18381,11 @@
             </a:r>
             <a:r>
               <a:rPr lang="en-US" dirty="0" err="1"/>
-              <a:t>rbWheel</a:t>
+              <a:t>rbDriveMotor</a:t>
             </a:r>
             <a:r>
               <a:rPr lang="en-US" dirty="0"/>
-              <a:t> with CAN ID 3, 4, 5 and 6 respectively (</a:t>
-            </a:r>
-            <a:r>
-              <a:rPr lang="en-US" dirty="0" err="1"/>
-              <a:t>FrcCANTalon</a:t>
-            </a:r>
-            <a:r>
-              <a:rPr lang="en-US" dirty="0"/>
-              <a:t>).</a:t>
+              <a:t> corresponding to the hardware names in robot config.</a:t>
             </a:r>
           </a:p>
           <a:p>
@@ -18417,19 +18409,11 @@
             </a:r>
             <a:r>
               <a:rPr lang="en-US" dirty="0" err="1"/>
-              <a:t>FrcAHRSGyro</a:t>
+              <a:t>FtcImu</a:t>
             </a:r>
             <a:r>
               <a:rPr lang="en-US" dirty="0"/>
-              <a:t>) specifying a name and the port </a:t>
-            </a:r>
-            <a:r>
-              <a:rPr lang="en-US" dirty="0" err="1"/>
-              <a:t>SPI.Port.kMXP</a:t>
-            </a:r>
-            <a:r>
-              <a:rPr lang="en-US" dirty="0"/>
-              <a:t> it is attached to.</a:t>
+              <a:t>) specifying a name corresponding to the hardware name in robot config.</a:t>
             </a:r>
           </a:p>
           <a:p>
@@ -18457,7 +18441,7 @@
           <a:p>
             <a:r>
               <a:rPr lang="en-US" dirty="0"/>
-              <a:t>In FrcTeleOp.java, add code in the periodic method to read the X and Y axes of the Xbox controller left stick for controlling the X and Y movement of the robot base. Read the X axis of the Xbox controller right stick for controlling the turn of the robot base.</a:t>
+              <a:t>In FtcTeleOp.java, add code in the periodic method to read the X and Y axes of the game controller left stick for controlling the X and Y movement of the robot base. Read the X axis of the game controller right stick for controlling the turn of the robot base.</a:t>
             </a:r>
           </a:p>
           <a:p>
@@ -18616,7 +18600,7 @@
                 </a:solidFill>
                 <a:effectLst/>
               </a:rPr>
-              <a:t>created by the TRC library has built-in odometry that uses the encoders of the wheel motors and a gyro. The built-in odometry works fine as long as the wheels don’t slip.</a:t>
+              <a:t>created by the TRC library has built-in odometry that uses the encoders of the drive motors and a gyro. The built-in odometry works fine as long as the wheels don’t slip.</a:t>
             </a:r>
           </a:p>
           <a:p>
@@ -18645,7 +18629,7 @@
                   <a:srgbClr val="000000"/>
                 </a:solidFill>
               </a:rPr>
-              <a:t>metry. A passive-wheel odometry sensor is built with passive omni-wheels with an encoder. It has no motor but if the wheel turns, the encoder will register rotation. If we put two passive-wheel odometry sensors one for each axis and spring loaded them to the ground, they will keep track of movements on both axes accurately even if the robot wheels slipped or the robot being pushed by other robots.</a:t>
+              <a:t>metry. A passive-wheel odometry sensor is built with passive omni-wheels with an encoder. It has no motor but if the wheel turns, the encoder will register rotation. If we put two passive-wheel odometry sensors one for each axis and spring loaded them to the ground, they will keep track of movements on both axes accurately even if the robot drive wheels slipped or the robot being pushed by other robots.</a:t>
             </a:r>
           </a:p>
         </p:txBody>
